--- a/М7У3. Шаблон презентации.pptx
+++ b/М7У3. Шаблон презентации.pptx
@@ -250,6 +250,11 @@
       </a:defRPr>
     </a:lvl9pPr>
   </p:defaultTextStyle>
+  <p:extLst>
+    <p:ext uri="{EFAFB233-063F-42B5-8137-9DF3F51BA10A}">
+      <p15:sldGuideLst xmlns:p15="http://schemas.microsoft.com/office/powerpoint/2012/main"/>
+    </p:ext>
+  </p:extLst>
 </p:presentation>
 </file>
 
@@ -19194,15 +19199,15 @@
               <a:buNone/>
             </a:pPr>
             <a:r>
-              <a:rPr lang="en-GB" dirty="0" smtClean="0"/>
+              <a:rPr lang="en-GB" dirty="0"/>
               <a:t>&lt;</a:t>
             </a:r>
             <a:r>
-              <a:rPr lang="ru-RU" dirty="0" smtClean="0"/>
+              <a:rPr lang="ru-RU" dirty="0"/>
               <a:t>Камень ножницы бумага</a:t>
             </a:r>
             <a:r>
-              <a:rPr lang="en-GB" dirty="0" smtClean="0"/>
+              <a:rPr lang="en-GB" dirty="0"/>
               <a:t>&gt;</a:t>
             </a:r>
             <a:endParaRPr dirty="0"/>
@@ -19530,7 +19535,7 @@
               <a:buNone/>
             </a:pPr>
             <a:r>
-              <a:rPr lang="ru-RU" sz="1800" dirty="0" smtClean="0">
+              <a:rPr lang="ru-RU" sz="1800" dirty="0">
                 <a:solidFill>
                   <a:schemeClr val="dk1"/>
                 </a:solidFill>
@@ -19651,7 +19656,7 @@
               <a:buNone/>
             </a:pPr>
             <a:r>
-              <a:rPr lang="ru-RU" sz="1800" dirty="0" smtClean="0">
+              <a:rPr lang="ru-RU" sz="1800" dirty="0">
                 <a:solidFill>
                   <a:schemeClr val="dk1"/>
                 </a:solidFill>
@@ -19767,7 +19772,7 @@
               <a:buNone/>
             </a:pPr>
             <a:r>
-              <a:rPr lang="ru-RU" sz="1800" dirty="0" smtClean="0">
+              <a:rPr lang="ru-RU" sz="1800" dirty="0">
                 <a:solidFill>
                   <a:schemeClr val="dk1"/>
                 </a:solidFill>
@@ -19883,7 +19888,7 @@
               <a:buNone/>
             </a:pPr>
             <a:r>
-              <a:rPr lang="ru-RU" sz="1800" dirty="0" smtClean="0">
+              <a:rPr lang="ru-RU" sz="1800" dirty="0">
                 <a:solidFill>
                   <a:schemeClr val="dk1"/>
                 </a:solidFill>
@@ -20008,7 +20013,7 @@
               <a:buNone/>
             </a:pPr>
             <a:r>
-              <a:rPr lang="ru-RU" sz="1800" dirty="0" smtClean="0">
+              <a:rPr lang="ru-RU" sz="1800" dirty="0">
                 <a:solidFill>
                   <a:schemeClr val="dk1"/>
                 </a:solidFill>
@@ -20016,7 +20021,7 @@
               <a:t>Из-за того что игра бесплатная дохода от неё не будет. Возможный заработок может быть получен только от тех кто решит </a:t>
             </a:r>
             <a:r>
-              <a:rPr lang="ru-RU" sz="1800" dirty="0" err="1" smtClean="0">
+              <a:rPr lang="ru-RU" sz="1800" dirty="0" err="1">
                 <a:solidFill>
                   <a:schemeClr val="dk1"/>
                 </a:solidFill>
@@ -20144,14 +20149,10 @@
               <a:buNone/>
             </a:pPr>
             <a:r>
-              <a:rPr lang="en-GB" sz="1800">
-                <a:solidFill>
-                  <a:schemeClr val="dk1"/>
-                </a:solidFill>
-              </a:rPr>
-              <a:t>(Какие «фишки» отличают твой проект от других проектов?)</a:t>
+              <a:rPr lang="ru-RU" sz="1800" dirty="0"/>
+              <a:t>К отличительный особенностям я отнёс присутствие в игре графического интерфейса и управление через клавиатуру.</a:t>
             </a:r>
-            <a:endParaRPr sz="1800"/>
+            <a:endParaRPr sz="1800" dirty="0"/>
           </a:p>
         </p:txBody>
       </p:sp>
@@ -20595,14 +20596,33 @@
               <a:buNone/>
             </a:pPr>
             <a:r>
-              <a:rPr lang="en-GB" sz="1800">
+              <a:rPr lang="ru-RU" sz="1800" dirty="0">
                 <a:solidFill>
                   <a:schemeClr val="dk1"/>
                 </a:solidFill>
               </a:rPr>
-              <a:t>(Возможные доработки и улучшения проекта).</a:t>
+              <a:t>В перспективе можно будет добавить возможность играть вдвоем.</a:t>
             </a:r>
-            <a:endParaRPr sz="1800">
+          </a:p>
+          <a:p>
+            <a:pPr marL="0" lvl="0" indent="0" algn="l" rtl="0">
+              <a:lnSpc>
+                <a:spcPct val="100000"/>
+              </a:lnSpc>
+              <a:spcBef>
+                <a:spcPts val="0"/>
+              </a:spcBef>
+              <a:spcAft>
+                <a:spcPts val="0"/>
+              </a:spcAft>
+              <a:buClr>
+                <a:schemeClr val="dk1"/>
+              </a:buClr>
+              <a:buSzPts val="1100"/>
+              <a:buFont typeface="Arial"/>
+              <a:buNone/>
+            </a:pPr>
+            <a:endParaRPr sz="1800" dirty="0">
               <a:solidFill>
                 <a:schemeClr val="dk1"/>
               </a:solidFill>
@@ -20621,7 +20641,7 @@
               </a:spcAft>
               <a:buNone/>
             </a:pPr>
-            <a:endParaRPr sz="1800">
+            <a:endParaRPr sz="1800" dirty="0">
               <a:solidFill>
                 <a:schemeClr val="dk1"/>
               </a:solidFill>
